--- a/presentation_2/SCRUM.pptx
+++ b/presentation_2/SCRUM.pptx
@@ -119,6 +119,22 @@
       </a:defRPr>
     </a:lvl9pPr>
   </p:defaultTextStyle>
+  <p:extLst>
+    <p:ext uri="{EFAFB233-063F-42B5-8137-9DF3F51BA10A}">
+      <p15:sldGuideLst xmlns:p15="http://schemas.microsoft.com/office/powerpoint/2012/main">
+        <p15:guide id="1" orient="horz" pos="2160">
+          <p15:clr>
+            <a:srgbClr val="A4A3A4"/>
+          </p15:clr>
+        </p15:guide>
+        <p15:guide id="2" pos="2880">
+          <p15:clr>
+            <a:srgbClr val="A4A3A4"/>
+          </p15:clr>
+        </p15:guide>
+      </p15:sldGuideLst>
+    </p:ext>
+  </p:extLst>
 </p:presentation>
 </file>
 
@@ -4742,6 +4758,91 @@
           </a:p>
         </p:txBody>
       </p:sp>
+      <p:sp>
+        <p:nvSpPr>
+          <p:cNvPr id="4" name="TextBox 3"/>
+          <p:cNvSpPr txBox="1"/>
+          <p:nvPr/>
+        </p:nvSpPr>
+        <p:spPr>
+          <a:xfrm>
+            <a:off x="381000" y="609600"/>
+            <a:ext cx="4648200" cy="954107"/>
+          </a:xfrm>
+          <a:prstGeom prst="rect">
+            <a:avLst/>
+          </a:prstGeom>
+          <a:noFill/>
+        </p:spPr>
+        <p:txBody>
+          <a:bodyPr wrap="square" rtlCol="0">
+            <a:spAutoFit/>
+          </a:bodyPr>
+          <a:lstStyle/>
+          <a:p>
+            <a:r>
+              <a:rPr lang="en-US" sz="1400" dirty="0" smtClean="0">
+                <a:solidFill>
+                  <a:schemeClr val="bg2">
+                    <a:lumMod val="50000"/>
+                  </a:schemeClr>
+                </a:solidFill>
+              </a:rPr>
+              <a:t>Presentation: 2</a:t>
+            </a:r>
+          </a:p>
+          <a:p>
+            <a:r>
+              <a:rPr lang="en-US" sz="1400" dirty="0" smtClean="0">
+                <a:solidFill>
+                  <a:schemeClr val="bg2">
+                    <a:lumMod val="50000"/>
+                  </a:schemeClr>
+                </a:solidFill>
+              </a:rPr>
+              <a:t>By: Bryce </a:t>
+            </a:r>
+            <a:r>
+              <a:rPr lang="en-US" sz="1400" dirty="0" err="1" smtClean="0">
+                <a:solidFill>
+                  <a:schemeClr val="bg2">
+                    <a:lumMod val="50000"/>
+                  </a:schemeClr>
+                </a:solidFill>
+              </a:rPr>
+              <a:t>DeAlessio</a:t>
+            </a:r>
+            <a:endParaRPr lang="en-US" sz="1400" dirty="0" smtClean="0">
+              <a:solidFill>
+                <a:schemeClr val="bg2">
+                  <a:lumMod val="50000"/>
+                </a:schemeClr>
+              </a:solidFill>
+            </a:endParaRPr>
+          </a:p>
+          <a:p>
+            <a:r>
+              <a:rPr lang="en-US" sz="1400" dirty="0" smtClean="0">
+                <a:solidFill>
+                  <a:schemeClr val="bg2">
+                    <a:lumMod val="50000"/>
+                  </a:schemeClr>
+                </a:solidFill>
+              </a:rPr>
+              <a:t>Class: ENG290</a:t>
+            </a:r>
+          </a:p>
+          <a:p>
+            <a:endParaRPr lang="en-US" sz="1400" dirty="0">
+              <a:solidFill>
+                <a:schemeClr val="bg2">
+                  <a:lumMod val="50000"/>
+                </a:schemeClr>
+              </a:solidFill>
+            </a:endParaRPr>
+          </a:p>
+        </p:txBody>
+      </p:sp>
     </p:spTree>
     <p:extLst>
       <p:ext uri="{BB962C8B-B14F-4D97-AF65-F5344CB8AC3E}">
@@ -4866,11 +4967,7 @@
             <a:pPr lvl="1"/>
             <a:r>
               <a:rPr lang="en-US" dirty="0" smtClean="0"/>
-              <a:t>Are there any issues impeding your progress? Squirrels</a:t>
-            </a:r>
-            <a:r>
-              <a:rPr lang="en-US" dirty="0" smtClean="0"/>
-              <a:t>!</a:t>
+              <a:t>Are there any issues impeding your progress? Squirrels!</a:t>
             </a:r>
           </a:p>
           <a:p>
@@ -4878,7 +4975,6 @@
               <a:rPr lang="en-US" dirty="0" smtClean="0"/>
               <a:t>Team Members meet as necessary afterward to help and plan.</a:t>
             </a:r>
-            <a:endParaRPr lang="en-US" dirty="0" smtClean="0"/>
           </a:p>
           <a:p>
             <a:endParaRPr lang="en-US" dirty="0" smtClean="0"/>
@@ -4942,11 +5038,7 @@
           <a:p>
             <a:r>
               <a:rPr lang="en-US" dirty="0" smtClean="0"/>
-              <a:t>Scrum: </a:t>
-            </a:r>
-            <a:r>
-              <a:rPr lang="en-US" dirty="0" smtClean="0"/>
-              <a:t>Sprint review</a:t>
+              <a:t>Scrum: Sprint review</a:t>
             </a:r>
             <a:endParaRPr lang="en-US" dirty="0"/>
           </a:p>
@@ -5541,11 +5633,7 @@
           <a:p>
             <a:r>
               <a:rPr lang="en-US" dirty="0" smtClean="0"/>
-              <a:t>Scrum: </a:t>
-            </a:r>
-            <a:r>
-              <a:rPr lang="en-US" dirty="0" smtClean="0"/>
-              <a:t>Retrospective</a:t>
+              <a:t>Scrum: Retrospective</a:t>
             </a:r>
             <a:endParaRPr lang="en-US" dirty="0"/>
           </a:p>
@@ -6373,11 +6461,7 @@
             </a:r>
             <a:r>
               <a:rPr lang="en-US" dirty="0"/>
-              <a:t> Web. 27 Feb. 2017</a:t>
-            </a:r>
-            <a:r>
-              <a:rPr lang="en-US" dirty="0"/>
-              <a:t>. </a:t>
+              <a:t> Web. 27 Feb. 2017. </a:t>
             </a:r>
             <a:r>
               <a:rPr lang="en-US"/>
@@ -6528,7 +6612,6 @@
               <a:rPr lang="en-US" dirty="0" smtClean="0"/>
               <a:t>A Project Management Process that allows a small team of people to create a Product in an iterative fashion while constantly Inspecting their progress and adapting to changes in customer requirements and development challenges.</a:t>
             </a:r>
-            <a:endParaRPr lang="en-US" dirty="0" smtClean="0"/>
           </a:p>
           <a:p>
             <a:r>
@@ -6540,15 +6623,7 @@
             <a:pPr lvl="1"/>
             <a:r>
               <a:rPr lang="en-US" dirty="0" smtClean="0"/>
-              <a:t>Scrum was developed in response to the failure of the traditional “Waterfall Method</a:t>
-            </a:r>
-            <a:r>
-              <a:rPr lang="en-US" dirty="0" smtClean="0"/>
-              <a:t>”[1] </a:t>
-            </a:r>
-            <a:r>
-              <a:rPr lang="en-US" dirty="0" smtClean="0"/>
-              <a:t>to manage cost overruns and changing customer requirements of Software Products.</a:t>
+              <a:t>Scrum was developed in response to the failure of the traditional “Waterfall Method”[1] to manage cost overruns and changing customer requirements of Software Products.</a:t>
             </a:r>
           </a:p>
           <a:p>
@@ -7367,11 +7442,7 @@
           <a:p>
             <a:r>
               <a:rPr lang="en-US" dirty="0" smtClean="0"/>
-              <a:t>Scrum: </a:t>
-            </a:r>
-            <a:r>
-              <a:rPr lang="en-US" dirty="0" smtClean="0"/>
-              <a:t>The Sprint</a:t>
+              <a:t>Scrum: The Sprint</a:t>
             </a:r>
             <a:endParaRPr lang="en-US" dirty="0"/>
           </a:p>
@@ -8158,11 +8229,7 @@
           <a:p>
             <a:r>
               <a:rPr lang="en-US" dirty="0" smtClean="0"/>
-              <a:t>Scrum: </a:t>
-            </a:r>
-            <a:r>
-              <a:rPr lang="en-US" dirty="0" smtClean="0"/>
-              <a:t>Sprint PLANNING</a:t>
+              <a:t>Scrum: Sprint PLANNING</a:t>
             </a:r>
             <a:endParaRPr lang="en-US" dirty="0"/>
           </a:p>
@@ -8693,11 +8760,7 @@
             <a:pPr lvl="1"/>
             <a:r>
               <a:rPr lang="en-US" dirty="0" smtClean="0"/>
-              <a:t>How are we going to get it done</a:t>
-            </a:r>
-            <a:r>
-              <a:rPr lang="en-US" dirty="0" smtClean="0"/>
-              <a:t>?</a:t>
+              <a:t>How are we going to get it done?</a:t>
             </a:r>
             <a:endParaRPr lang="en-US" dirty="0"/>
           </a:p>
@@ -8713,7 +8776,6 @@
               <a:rPr lang="en-US" dirty="0" smtClean="0"/>
               <a:t>The team Breaks up PBI’s into smaller chunks.</a:t>
             </a:r>
-            <a:endParaRPr lang="en-US" dirty="0" smtClean="0"/>
           </a:p>
         </p:txBody>
       </p:sp>
@@ -9123,7 +9185,6 @@
               <a:rPr lang="en-US" u="sng" dirty="0" smtClean="0"/>
               <a:t>Backlog</a:t>
             </a:r>
-            <a:endParaRPr lang="en-US" u="sng" dirty="0" smtClean="0"/>
           </a:p>
         </p:txBody>
       </p:sp>
@@ -9328,7 +9389,6 @@
               <a:rPr lang="en-US" u="sng" dirty="0" smtClean="0"/>
               <a:t>In Work</a:t>
             </a:r>
-            <a:endParaRPr lang="en-US" u="sng" dirty="0" smtClean="0"/>
           </a:p>
           <a:p>
             <a:pPr marL="114300" indent="0">
@@ -9783,7 +9843,7 @@
             </a:r>
             <a:r>
               <a:rPr lang="en-US" dirty="0" smtClean="0"/>
-              <a:t>The Sprint</a:t>
+              <a:t>DAILY SCRUM</a:t>
             </a:r>
             <a:endParaRPr lang="en-US" dirty="0"/>
           </a:p>
